--- a/TeamProject/DetailedScetches/Detailed_Team_Sketches.pptx
+++ b/TeamProject/DetailedScetches/Detailed_Team_Sketches.pptx
@@ -9245,6 +9245,50 @@
           <a:chExt cx="0" cy="0"/>
         </a:xfrm>
       </p:grpSpPr>
+      <p:sp>
+        <p:nvSpPr>
+          <p:cNvPr id="3" name="Foliennummernplatzhalter 2" hidden="1">
+            <a:extLst>
+              <a:ext uri="{FF2B5EF4-FFF2-40B4-BE49-F238E27FC236}">
+                <a16:creationId xmlns:a16="http://schemas.microsoft.com/office/drawing/2014/main" id="{89792505-4936-024C-8FC2-C528EC7F4010}"/>
+              </a:ext>
+            </a:extLst>
+          </p:cNvPr>
+          <p:cNvSpPr>
+            <a:spLocks noGrp="1"/>
+          </p:cNvSpPr>
+          <p:nvPr>
+            <p:ph type="sldNum" sz="quarter" idx="4294967295"/>
+          </p:nvPr>
+        </p:nvSpPr>
+        <p:spPr>
+          <a:xfrm>
+            <a:off x="6774934" y="6473313"/>
+            <a:ext cx="2052074" cy="365125"/>
+          </a:xfrm>
+        </p:spPr>
+        <p:txBody>
+          <a:bodyPr/>
+          <a:lstStyle/>
+          <a:p>
+            <a:pPr>
+              <a:spcAft>
+                <a:spcPts val="600"/>
+              </a:spcAft>
+            </a:pPr>
+            <a:fld id="{CE58CB1E-F828-4F11-99E0-327109AF9DA4}" type="slidenum">
+              <a:rPr lang="de-DE" smtClean="0"/>
+              <a:pPr>
+                <a:spcAft>
+                  <a:spcPts val="600"/>
+                </a:spcAft>
+              </a:pPr>
+              <a:t>10</a:t>
+            </a:fld>
+            <a:endParaRPr lang="de-DE"/>
+          </a:p>
+        </p:txBody>
+      </p:sp>
       <p:pic>
         <p:nvPicPr>
           <p:cNvPr id="7" name="Bildplatzhalter 6">
@@ -9351,50 +9395,6 @@
               <a:rPr lang="en-US" u="sng" dirty="0"/>
               <a:t>Skin-System</a:t>
             </a:r>
-          </a:p>
-        </p:txBody>
-      </p:sp>
-      <p:sp>
-        <p:nvSpPr>
-          <p:cNvPr id="3" name="Foliennummernplatzhalter 2" hidden="1">
-            <a:extLst>
-              <a:ext uri="{FF2B5EF4-FFF2-40B4-BE49-F238E27FC236}">
-                <a16:creationId xmlns:a16="http://schemas.microsoft.com/office/drawing/2014/main" id="{89792505-4936-024C-8FC2-C528EC7F4010}"/>
-              </a:ext>
-            </a:extLst>
-          </p:cNvPr>
-          <p:cNvSpPr>
-            <a:spLocks noGrp="1"/>
-          </p:cNvSpPr>
-          <p:nvPr>
-            <p:ph type="sldNum" sz="quarter" idx="4294967295"/>
-          </p:nvPr>
-        </p:nvSpPr>
-        <p:spPr>
-          <a:xfrm>
-            <a:off x="6774934" y="6473313"/>
-            <a:ext cx="2052074" cy="365125"/>
-          </a:xfrm>
-        </p:spPr>
-        <p:txBody>
-          <a:bodyPr/>
-          <a:lstStyle/>
-          <a:p>
-            <a:pPr>
-              <a:spcAft>
-                <a:spcPts val="600"/>
-              </a:spcAft>
-            </a:pPr>
-            <a:fld id="{CE58CB1E-F828-4F11-99E0-327109AF9DA4}" type="slidenum">
-              <a:rPr lang="de-DE" smtClean="0"/>
-              <a:pPr>
-                <a:spcAft>
-                  <a:spcPts val="600"/>
-                </a:spcAft>
-              </a:pPr>
-              <a:t>10</a:t>
-            </a:fld>
-            <a:endParaRPr lang="de-DE"/>
           </a:p>
         </p:txBody>
       </p:sp>
@@ -9848,8 +9848,8 @@
         </p:blipFill>
         <p:spPr>
           <a:xfrm>
-            <a:off x="2276674" y="1762188"/>
-            <a:ext cx="4593831" cy="4699572"/>
+            <a:off x="2096583" y="1591084"/>
+            <a:ext cx="4950833" cy="5064791"/>
           </a:xfrm>
           <a:prstGeom prst="rect">
             <a:avLst/>
@@ -10197,8 +10197,8 @@
         </p:blipFill>
         <p:spPr>
           <a:xfrm>
-            <a:off x="1309998" y="1762188"/>
-            <a:ext cx="6527183" cy="4699572"/>
+            <a:off x="1046826" y="1579625"/>
+            <a:ext cx="7050347" cy="5076250"/>
           </a:xfrm>
           <a:prstGeom prst="rect">
             <a:avLst/>
@@ -10331,16 +10331,15 @@
             <p:ph idx="1"/>
           </p:nvPr>
         </p:nvPicPr>
-        <p:blipFill>
+        <p:blipFill rotWithShape="1">
           <a:blip r:embed="rId2"/>
-          <a:stretch>
-            <a:fillRect/>
-          </a:stretch>
+          <a:srcRect b="6756"/>
+          <a:stretch/>
         </p:blipFill>
         <p:spPr>
           <a:xfrm>
-            <a:off x="1130680" y="1762188"/>
-            <a:ext cx="6885819" cy="4699572"/>
+            <a:off x="0" y="1762188"/>
+            <a:ext cx="8016499" cy="5101599"/>
           </a:xfrm>
           <a:prstGeom prst="rect">
             <a:avLst/>
